--- a/code/bw-test-tool/SCReAM-test-tool-one-pager.pptx
+++ b/code/bw-test-tool/SCReAM-test-tool-one-pager.pptx
@@ -1105,7 +1105,7 @@
               </a:rPr>
               <a:t>  |  EPLIJOH Ingemar Johansson S  |  2020-03-20  |  Open  |  Page </a:t>
             </a:r>
-            <a:fld id="{81678E7A-09CC-46F6-ADCF-79CA3881B1CC}" type="slidenum">
+            <a:fld id="{237BB4C1-D239-4313-A244-31E2CE099F30}" type="slidenum">
               <a:rPr lang="en-US" sz="800" b="0" i="0" u="none" smtClean="0">
                 <a:solidFill>
                   <a:srgbClr val="1A1816"/>
@@ -1121,7 +1121,7 @@
                 </a:solidFill>
                 <a:latin typeface="+mn-lt"/>
               </a:rPr>
-              <a:t> of 4</a:t>
+              <a:t> of 1</a:t>
             </a:r>
             <a:endParaRPr lang="en-US" sz="800" b="0" i="0" u="none" dirty="0">
               <a:solidFill>
@@ -1598,7 +1598,7 @@
               </a:rPr>
               <a:t>  |  EPLIJOH Ingemar Johansson S  |  2020-03-20  |  Open  |  Page </a:t>
             </a:r>
-            <a:fld id="{A110B431-C365-4DA9-AB38-B4372477456A}" type="slidenum">
+            <a:fld id="{F763924B-C0BA-4EC2-8AA2-27B07A84483D}" type="slidenum">
               <a:rPr lang="en-US" sz="800" b="0" i="0" u="none" smtClean="0">
                 <a:solidFill>
                   <a:schemeClr val="bg1"/>
@@ -1614,7 +1614,7 @@
                 </a:solidFill>
                 <a:latin typeface="+mn-lt"/>
               </a:rPr>
-              <a:t> of 4</a:t>
+              <a:t> of 1</a:t>
             </a:r>
             <a:endParaRPr lang="en-US" sz="800" b="0" i="0" u="none" dirty="0">
               <a:solidFill>
@@ -1899,7 +1899,7 @@
               </a:rPr>
               <a:t>  |  EPLIJOH Ingemar Johansson S  |  2020-03-20  |  Open  |  Page </a:t>
             </a:r>
-            <a:fld id="{07E3C3B0-3785-4B1D-BA7A-889E5515BDD5}" type="slidenum">
+            <a:fld id="{A26E9797-FB90-4508-9D27-170CA48DCFC0}" type="slidenum">
               <a:rPr lang="en-US" sz="800" b="0" i="0" u="none" smtClean="0">
                 <a:solidFill>
                   <a:srgbClr val="1A1816"/>
@@ -1915,7 +1915,7 @@
                 </a:solidFill>
                 <a:latin typeface="+mn-lt"/>
               </a:rPr>
-              <a:t> of 4</a:t>
+              <a:t> of 1</a:t>
             </a:r>
             <a:endParaRPr lang="en-US" sz="800" b="0" i="0" u="none" dirty="0">
               <a:solidFill>
@@ -2126,7 +2126,7 @@
               </a:rPr>
               <a:t>  |  EPLIJOH Ingemar Johansson S  |  2020-03-20  |  Open  |  Page </a:t>
             </a:r>
-            <a:fld id="{55C2A4EB-9C44-4615-B83F-19FCE3143222}" type="slidenum">
+            <a:fld id="{6C5E2146-EB18-4B80-949F-52B29663BC1D}" type="slidenum">
               <a:rPr lang="en-US" sz="800" b="0" i="0" u="none" smtClean="0">
                 <a:solidFill>
                   <a:srgbClr val="1A1816"/>
@@ -2142,7 +2142,7 @@
                 </a:solidFill>
                 <a:latin typeface="+mn-lt"/>
               </a:rPr>
-              <a:t> of 4</a:t>
+              <a:t> of 1</a:t>
             </a:r>
             <a:endParaRPr lang="en-US" sz="800" b="0" i="0" u="none" dirty="0">
               <a:solidFill>
@@ -2295,7 +2295,7 @@
               </a:rPr>
               <a:t>  |  EPLIJOH Ingemar Johansson S  |  2020-03-20  |  Open  |  Page </a:t>
             </a:r>
-            <a:fld id="{215050EA-B5EE-44B1-AF40-2F3AE73373C7}" type="slidenum">
+            <a:fld id="{F51E78C8-2998-4E82-A893-6CE457968A21}" type="slidenum">
               <a:rPr lang="en-US" sz="800" b="0" i="0" u="none" smtClean="0">
                 <a:solidFill>
                   <a:srgbClr val="1A1816"/>
@@ -2311,7 +2311,7 @@
                 </a:solidFill>
                 <a:latin typeface="+mn-lt"/>
               </a:rPr>
-              <a:t> of 4</a:t>
+              <a:t> of 1</a:t>
             </a:r>
             <a:endParaRPr lang="en-US" sz="800" b="0" i="0" u="none" dirty="0">
               <a:solidFill>
@@ -2511,7 +2511,7 @@
               </a:rPr>
               <a:t>  |  EPLIJOH Ingemar Johansson S  |  2020-03-20  |  Open  |  Page </a:t>
             </a:r>
-            <a:fld id="{A8003304-EE1D-4AB0-BD55-F5DE9964A0B5}" type="slidenum">
+            <a:fld id="{7AF0B3ED-613A-4206-BA9A-2521983BD2B1}" type="slidenum">
               <a:rPr lang="en-US" sz="800" b="0" i="0" u="none" smtClean="0">
                 <a:solidFill>
                   <a:srgbClr val="1A1816"/>
@@ -2527,7 +2527,7 @@
                 </a:solidFill>
                 <a:latin typeface="+mn-lt"/>
               </a:rPr>
-              <a:t> of 4</a:t>
+              <a:t> of 1</a:t>
             </a:r>
             <a:endParaRPr lang="en-US" sz="800" b="0" i="0" u="none" dirty="0">
               <a:solidFill>
@@ -2819,7 +2819,7 @@
               </a:rPr>
               <a:t>  |  EPLIJOH Ingemar Johansson S  |  2020-03-20  |  Open  |  Page </a:t>
             </a:r>
-            <a:fld id="{93320D90-6133-4E2C-BEE3-D4484B899261}" type="slidenum">
+            <a:fld id="{7A2B80BC-D2AF-4AC5-8F67-7604DA32F191}" type="slidenum">
               <a:rPr lang="en-US" sz="800" b="0" i="0" u="none" smtClean="0">
                 <a:solidFill>
                   <a:schemeClr val="bg1"/>
@@ -2835,7 +2835,7 @@
                 </a:solidFill>
                 <a:latin typeface="+mn-lt"/>
               </a:rPr>
-              <a:t> of 4</a:t>
+              <a:t> of 1</a:t>
             </a:r>
             <a:endParaRPr lang="en-US" sz="800" b="0" i="0" u="none" dirty="0">
               <a:solidFill>
@@ -3127,7 +3127,7 @@
               </a:rPr>
               <a:t>  |  EPLIJOH Ingemar Johansson S  |  2020-03-20  |  Open  |  Page </a:t>
             </a:r>
-            <a:fld id="{18969BAF-1C9A-4496-B54E-69466C8BBDD2}" type="slidenum">
+            <a:fld id="{CA133700-2CCD-4C73-A9B2-44966DA318DA}" type="slidenum">
               <a:rPr lang="en-US" sz="800" b="0" i="0" u="none" smtClean="0">
                 <a:solidFill>
                   <a:schemeClr val="bg1"/>
@@ -3143,7 +3143,7 @@
                 </a:solidFill>
                 <a:latin typeface="+mn-lt"/>
               </a:rPr>
-              <a:t> of 4</a:t>
+              <a:t> of 1</a:t>
             </a:r>
             <a:endParaRPr lang="en-US" sz="800" b="0" i="0" u="none" dirty="0">
               <a:solidFill>
@@ -3435,7 +3435,7 @@
               </a:rPr>
               <a:t>  |  EPLIJOH Ingemar Johansson S  |  2020-03-20  |  Open  |  Page </a:t>
             </a:r>
-            <a:fld id="{342D93E3-B8E8-4FCB-9139-C929305B76B0}" type="slidenum">
+            <a:fld id="{A0FF7323-F59A-4E09-8983-C06D344367E0}" type="slidenum">
               <a:rPr lang="en-US" sz="800" b="0" i="0" u="none" smtClean="0">
                 <a:solidFill>
                   <a:schemeClr val="bg1"/>
@@ -3451,7 +3451,7 @@
                 </a:solidFill>
                 <a:latin typeface="+mn-lt"/>
               </a:rPr>
-              <a:t> of 4</a:t>
+              <a:t> of 1</a:t>
             </a:r>
             <a:endParaRPr lang="en-US" sz="800" b="0" i="0" u="none" dirty="0">
               <a:solidFill>
@@ -3743,7 +3743,7 @@
               </a:rPr>
               <a:t>  |  EPLIJOH Ingemar Johansson S  |  2020-03-20  |  Open  |  Page </a:t>
             </a:r>
-            <a:fld id="{633FF0B7-727A-4451-97AC-41F257610804}" type="slidenum">
+            <a:fld id="{382967F0-ABBF-4439-B536-5086672995FA}" type="slidenum">
               <a:rPr lang="en-US" sz="800" b="0" i="0" u="none" smtClean="0">
                 <a:solidFill>
                   <a:schemeClr val="bg1"/>
@@ -3759,7 +3759,7 @@
                 </a:solidFill>
                 <a:latin typeface="+mn-lt"/>
               </a:rPr>
-              <a:t> of 4</a:t>
+              <a:t> of 1</a:t>
             </a:r>
             <a:endParaRPr lang="en-US" sz="800" b="0" i="0" u="none" dirty="0">
               <a:solidFill>
@@ -4051,7 +4051,7 @@
               </a:rPr>
               <a:t>  |  EPLIJOH Ingemar Johansson S  |  2020-03-20  |  Open  |  Page </a:t>
             </a:r>
-            <a:fld id="{816B40F9-CDF5-4754-9B53-364428C0FEE0}" type="slidenum">
+            <a:fld id="{06A37FD0-0E17-4953-9F04-20E11EF8E249}" type="slidenum">
               <a:rPr lang="en-US" sz="800" b="0" i="0" u="none" smtClean="0">
                 <a:solidFill>
                   <a:schemeClr val="bg1"/>
@@ -4067,7 +4067,7 @@
                 </a:solidFill>
                 <a:latin typeface="+mn-lt"/>
               </a:rPr>
-              <a:t> of 4</a:t>
+              <a:t> of 1</a:t>
             </a:r>
             <a:endParaRPr lang="en-US" sz="800" b="0" i="0" u="none" dirty="0">
               <a:solidFill>
@@ -4572,7 +4572,7 @@
               </a:rPr>
               <a:t>  |  EPLIJOH Ingemar Johansson S  |  2020-03-20  |  Open  |  Page </a:t>
             </a:r>
-            <a:fld id="{C1D6A375-9BB1-43D6-BDC4-8E626BCC8A77}" type="slidenum">
+            <a:fld id="{E213D3FB-AAC7-4832-BFA2-ECD8FDF8A9CE}" type="slidenum">
               <a:rPr lang="en-US" sz="800" b="0" i="0" u="none" smtClean="0">
                 <a:solidFill>
                   <a:schemeClr val="bg1"/>
@@ -4588,7 +4588,7 @@
                 </a:solidFill>
                 <a:latin typeface="+mn-lt"/>
               </a:rPr>
-              <a:t> of 4</a:t>
+              <a:t> of 1</a:t>
             </a:r>
             <a:endParaRPr lang="en-US" sz="800" b="0" i="0" u="none" dirty="0">
               <a:solidFill>
@@ -4886,7 +4886,7 @@
               </a:rPr>
               <a:t>  |  EPLIJOH Ingemar Johansson S  |  2020-03-20  |  Open  |  Page </a:t>
             </a:r>
-            <a:fld id="{441315B8-7F6D-46C7-9DC1-D15AB45DCAC8}" type="slidenum">
+            <a:fld id="{D385D9C2-1347-4EEB-BC7B-CD43DAEC1285}" type="slidenum">
               <a:rPr lang="en-US" sz="800" b="0" i="0" u="none" smtClean="0">
                 <a:solidFill>
                   <a:schemeClr val="bg1"/>
@@ -4902,7 +4902,7 @@
                 </a:solidFill>
                 <a:latin typeface="+mn-lt"/>
               </a:rPr>
-              <a:t> of 4</a:t>
+              <a:t> of 1</a:t>
             </a:r>
             <a:endParaRPr lang="en-US" sz="800" b="0" i="0" u="none" dirty="0">
               <a:solidFill>
@@ -5194,7 +5194,7 @@
               </a:rPr>
               <a:t>  |  EPLIJOH Ingemar Johansson S  |  2020-03-20  |  Open  |  Page </a:t>
             </a:r>
-            <a:fld id="{BEF3E679-2A23-42E8-8193-A6FD2AF2EF8E}" type="slidenum">
+            <a:fld id="{84AC723C-AD2A-4755-B82F-1E953B6A3F99}" type="slidenum">
               <a:rPr lang="en-US" sz="800" b="0" i="0" u="none" smtClean="0">
                 <a:solidFill>
                   <a:schemeClr val="bg1"/>
@@ -5210,7 +5210,7 @@
                 </a:solidFill>
                 <a:latin typeface="+mn-lt"/>
               </a:rPr>
-              <a:t> of 4</a:t>
+              <a:t> of 1</a:t>
             </a:r>
             <a:endParaRPr lang="en-US" sz="800" b="0" i="0" u="none" dirty="0">
               <a:solidFill>
@@ -5496,7 +5496,7 @@
               </a:rPr>
               <a:t>  |  EPLIJOH Ingemar Johansson S  |  2020-03-20  |  Open  |  Page </a:t>
             </a:r>
-            <a:fld id="{F99FD5AE-CC9A-4A4E-B57A-A5B4EBA5BAFC}" type="slidenum">
+            <a:fld id="{281D91AD-D147-43C0-A3C2-1B6823F56FFC}" type="slidenum">
               <a:rPr lang="en-US" sz="800" b="0" i="0" u="none" smtClean="0">
                 <a:solidFill>
                   <a:srgbClr val="1A1816"/>
@@ -5512,7 +5512,7 @@
                 </a:solidFill>
                 <a:latin typeface="+mn-lt"/>
               </a:rPr>
-              <a:t> of 4</a:t>
+              <a:t> of 1</a:t>
             </a:r>
             <a:endParaRPr lang="en-US" sz="800" b="0" i="0" u="none" dirty="0">
               <a:solidFill>
@@ -5797,7 +5797,7 @@
               </a:rPr>
               <a:t>  |  EPLIJOH Ingemar Johansson S  |  2020-03-20  |  Open  |  Page </a:t>
             </a:r>
-            <a:fld id="{FF8A22CA-5D81-4C5D-90CB-176B6C338C6E}" type="slidenum">
+            <a:fld id="{BCD2AA1B-8706-47D1-AE93-BFCFEEEB636D}" type="slidenum">
               <a:rPr lang="en-US" sz="800" b="0" i="0" u="none" smtClean="0">
                 <a:solidFill>
                   <a:srgbClr val="1A1816"/>
@@ -5813,7 +5813,7 @@
                 </a:solidFill>
                 <a:latin typeface="+mn-lt"/>
               </a:rPr>
-              <a:t> of 4</a:t>
+              <a:t> of 1</a:t>
             </a:r>
             <a:endParaRPr lang="en-US" sz="800" b="0" i="0" u="none" dirty="0">
               <a:solidFill>
@@ -6104,7 +6104,7 @@
               </a:rPr>
               <a:t>  |  EPLIJOH Ingemar Johansson S  |  2020-03-20  |  Open  |  Page </a:t>
             </a:r>
-            <a:fld id="{3C7D0291-7553-4766-BC2A-9A3995374B2B}" type="slidenum">
+            <a:fld id="{23892E54-EA25-4CDF-A66E-C71671ECB9ED}" type="slidenum">
               <a:rPr lang="en-US" sz="800" b="0" i="0" u="none" smtClean="0">
                 <a:solidFill>
                   <a:srgbClr val="1A1816"/>
@@ -6120,7 +6120,7 @@
                 </a:solidFill>
                 <a:latin typeface="+mn-lt"/>
               </a:rPr>
-              <a:t> of 4</a:t>
+              <a:t> of 1</a:t>
             </a:r>
             <a:endParaRPr lang="en-US" sz="800" b="0" i="0" u="none" dirty="0">
               <a:solidFill>
@@ -6406,7 +6406,7 @@
               </a:rPr>
               <a:t>  |  EPLIJOH Ingemar Johansson S  |  2020-03-20  |  Open  |  Page </a:t>
             </a:r>
-            <a:fld id="{15F9BB6E-014E-44EC-A01C-6C201B8B9BDB}" type="slidenum">
+            <a:fld id="{7F1CA8CD-8E72-4070-A65E-919CE7252225}" type="slidenum">
               <a:rPr lang="en-US" sz="800" b="0" i="0" u="none" smtClean="0">
                 <a:solidFill>
                   <a:srgbClr val="1A1816"/>
@@ -6422,7 +6422,7 @@
                 </a:solidFill>
                 <a:latin typeface="+mn-lt"/>
               </a:rPr>
-              <a:t> of 4</a:t>
+              <a:t> of 1</a:t>
             </a:r>
             <a:endParaRPr lang="en-US" sz="800" b="0" i="0" u="none" dirty="0">
               <a:solidFill>
@@ -6744,7 +6744,7 @@
               </a:rPr>
               <a:t>  |  EPLIJOH Ingemar Johansson S  |  2020-03-20  |  Open  |  Page </a:t>
             </a:r>
-            <a:fld id="{FE9DF63A-C3C2-4FC7-92C0-06ECCE8387CC}" type="slidenum">
+            <a:fld id="{343EFDEB-BBA1-4025-8BE3-704C896A3C0D}" type="slidenum">
               <a:rPr lang="en-US" sz="800" b="0" i="0" u="none" smtClean="0">
                 <a:solidFill>
                   <a:srgbClr val="1A1816"/>
@@ -6760,7 +6760,7 @@
                 </a:solidFill>
                 <a:latin typeface="+mn-lt"/>
               </a:rPr>
-              <a:t> of 4</a:t>
+              <a:t> of 1</a:t>
             </a:r>
             <a:endParaRPr lang="en-US" sz="800" b="0" i="0" u="none" dirty="0">
               <a:solidFill>
@@ -7046,7 +7046,7 @@
               </a:rPr>
               <a:t>  |  EPLIJOH Ingemar Johansson S  |  2020-03-20  |  Open  |  Page </a:t>
             </a:r>
-            <a:fld id="{F5B3ADD1-000D-46F2-9C96-D00B29F15ECF}" type="slidenum">
+            <a:fld id="{A9FF26F5-F456-45BE-AF52-54622AF5897F}" type="slidenum">
               <a:rPr lang="en-US" sz="800" b="0" i="0" u="none" smtClean="0">
                 <a:solidFill>
                   <a:srgbClr val="1A1816"/>
@@ -7062,7 +7062,7 @@
                 </a:solidFill>
                 <a:latin typeface="+mn-lt"/>
               </a:rPr>
-              <a:t> of 4</a:t>
+              <a:t> of 1</a:t>
             </a:r>
             <a:endParaRPr lang="en-US" sz="800" b="0" i="0" u="none" dirty="0">
               <a:solidFill>
@@ -7384,7 +7384,7 @@
               </a:rPr>
               <a:t>  |  EPLIJOH Ingemar Johansson S  |  2020-03-20  |  Open  |  Page </a:t>
             </a:r>
-            <a:fld id="{59C74930-4F77-4D4C-B3E1-AE3331B2AA14}" type="slidenum">
+            <a:fld id="{4EC89E5A-515B-4382-BFC1-0863297A90F3}" type="slidenum">
               <a:rPr lang="en-US" sz="800" b="0" i="0" u="none" smtClean="0">
                 <a:solidFill>
                   <a:srgbClr val="1A1816"/>
@@ -7400,7 +7400,7 @@
                 </a:solidFill>
                 <a:latin typeface="+mn-lt"/>
               </a:rPr>
-              <a:t> of 4</a:t>
+              <a:t> of 1</a:t>
             </a:r>
             <a:endParaRPr lang="en-US" sz="800" b="0" i="0" u="none" dirty="0">
               <a:solidFill>
@@ -7766,7 +7766,7 @@
               </a:rPr>
               <a:t>  |  EPLIJOH Ingemar Johansson S  |  2020-03-20  |  Open  |  Page </a:t>
             </a:r>
-            <a:fld id="{9BA69503-2B5F-40E5-98DB-ED4EBC925DB4}" type="slidenum">
+            <a:fld id="{119C3B77-F5D9-4B14-ADDE-4F021AF6ED88}" type="slidenum">
               <a:rPr lang="en-US" sz="800" b="0" i="0" u="none" smtClean="0">
                 <a:solidFill>
                   <a:srgbClr val="1A1816"/>
@@ -7782,7 +7782,7 @@
                 </a:solidFill>
                 <a:latin typeface="+mn-lt"/>
               </a:rPr>
-              <a:t> of 4</a:t>
+              <a:t> of 1</a:t>
             </a:r>
             <a:endParaRPr lang="en-US" sz="800" b="0" i="0" u="none" dirty="0">
               <a:solidFill>
@@ -8108,7 +8108,7 @@
               </a:rPr>
               <a:t>  |  EPLIJOH Ingemar Johansson S  |  2020-03-20  |  Open  |  Page </a:t>
             </a:r>
-            <a:fld id="{626BDA5C-2FBF-422B-928D-DFDD9065195D}" type="slidenum">
+            <a:fld id="{028C046A-D12C-47E6-BE0F-AF186212AC69}" type="slidenum">
               <a:rPr lang="en-US" sz="800" b="0" i="0" u="none" smtClean="0">
                 <a:solidFill>
                   <a:srgbClr val="1A1816"/>
@@ -8124,7 +8124,7 @@
                 </a:solidFill>
                 <a:latin typeface="+mn-lt"/>
               </a:rPr>
-              <a:t> of 4</a:t>
+              <a:t> of 1</a:t>
             </a:r>
             <a:endParaRPr lang="en-US" sz="800" b="0" i="0" u="none" dirty="0">
               <a:solidFill>
@@ -8475,7 +8475,7 @@
               </a:rPr>
               <a:t>  |  EPLIJOH Ingemar Johansson S  |  2020-03-20  |  Open  |  Page </a:t>
             </a:r>
-            <a:fld id="{90D9E13D-92ED-42D6-9D43-9303A81D7D98}" type="slidenum">
+            <a:fld id="{44A64496-45D0-47A2-B80C-61CE47877FC9}" type="slidenum">
               <a:rPr lang="en-US" sz="800" b="0" i="0" u="none" smtClean="0">
                 <a:solidFill>
                   <a:srgbClr val="1A1816"/>
@@ -8491,7 +8491,7 @@
                 </a:solidFill>
                 <a:latin typeface="+mn-lt"/>
               </a:rPr>
-              <a:t> of 4</a:t>
+              <a:t> of 1</a:t>
             </a:r>
             <a:endParaRPr lang="en-US" sz="800" b="0" i="0" u="none" dirty="0">
               <a:solidFill>
@@ -8857,7 +8857,7 @@
               </a:rPr>
               <a:t>  |  EPLIJOH Ingemar Johansson S  |  2020-03-20  |  Open  |  Page </a:t>
             </a:r>
-            <a:fld id="{4654732D-E98C-4FC2-B873-99F183B20765}" type="slidenum">
+            <a:fld id="{252BFAA5-FC97-4ACF-B08C-AB28BECAD186}" type="slidenum">
               <a:rPr lang="en-US" sz="800" b="0" i="0" u="none" smtClean="0">
                 <a:solidFill>
                   <a:srgbClr val="1A1816"/>
@@ -8873,7 +8873,7 @@
                 </a:solidFill>
                 <a:latin typeface="+mn-lt"/>
               </a:rPr>
-              <a:t> of 4</a:t>
+              <a:t> of 1</a:t>
             </a:r>
             <a:endParaRPr lang="en-US" sz="800" b="0" i="0" u="none" dirty="0">
               <a:solidFill>
@@ -9239,7 +9239,7 @@
               </a:rPr>
               <a:t>  |  EPLIJOH Ingemar Johansson S  |  2020-03-20  |  Open  |  Page </a:t>
             </a:r>
-            <a:fld id="{2F002D70-A4F4-42B5-80CF-411A8FE03306}" type="slidenum">
+            <a:fld id="{E9326BBB-EFF2-4B95-A3E1-CDF2A1E59E63}" type="slidenum">
               <a:rPr lang="en-US" sz="800" b="0" i="0" u="none" smtClean="0">
                 <a:solidFill>
                   <a:srgbClr val="1A1816"/>
@@ -9255,7 +9255,7 @@
                 </a:solidFill>
                 <a:latin typeface="+mn-lt"/>
               </a:rPr>
-              <a:t> of 4</a:t>
+              <a:t> of 1</a:t>
             </a:r>
             <a:endParaRPr lang="en-US" sz="800" b="0" i="0" u="none" dirty="0">
               <a:solidFill>
@@ -9621,7 +9621,7 @@
               </a:rPr>
               <a:t>  |  EPLIJOH Ingemar Johansson S  |  2020-03-20  |  Open  |  Page </a:t>
             </a:r>
-            <a:fld id="{77904FA4-F0BD-432B-B45C-AE93A689B0A2}" type="slidenum">
+            <a:fld id="{C49A7DEE-D148-4302-9837-A8CE6941EA2B}" type="slidenum">
               <a:rPr lang="en-US" sz="800" b="0" i="0" u="none" smtClean="0">
                 <a:solidFill>
                   <a:srgbClr val="1A1816"/>
@@ -9637,7 +9637,7 @@
                 </a:solidFill>
                 <a:latin typeface="+mn-lt"/>
               </a:rPr>
-              <a:t> of 4</a:t>
+              <a:t> of 1</a:t>
             </a:r>
             <a:endParaRPr lang="en-US" sz="800" b="0" i="0" u="none" dirty="0">
               <a:solidFill>
@@ -10003,7 +10003,7 @@
               </a:rPr>
               <a:t>  |  EPLIJOH Ingemar Johansson S  |  2020-03-20  |  Open  |  Page </a:t>
             </a:r>
-            <a:fld id="{55B536C2-F3D4-423D-AA5D-14FF8DB1454F}" type="slidenum">
+            <a:fld id="{2B8D8DC0-2575-4B56-B561-F7BCBA5923C0}" type="slidenum">
               <a:rPr lang="en-US" sz="800" b="0" i="0" u="none" smtClean="0">
                 <a:solidFill>
                   <a:srgbClr val="1A1816"/>
@@ -10019,7 +10019,7 @@
                 </a:solidFill>
                 <a:latin typeface="+mn-lt"/>
               </a:rPr>
-              <a:t> of 4</a:t>
+              <a:t> of 1</a:t>
             </a:r>
             <a:endParaRPr lang="en-US" sz="800" b="0" i="0" u="none" dirty="0">
               <a:solidFill>
@@ -10447,7 +10447,7 @@
               </a:rPr>
               <a:t>  |  EPLIJOH Ingemar Johansson S  |  2020-03-20  |  Open  |  Page </a:t>
             </a:r>
-            <a:fld id="{091DE144-09E9-4B8B-8615-00247BCF92DF}" type="slidenum">
+            <a:fld id="{7AFB11FD-D074-40E5-89D8-B702A6B14F2E}" type="slidenum">
               <a:rPr lang="en-US" sz="800" b="0" i="0" u="none" smtClean="0">
                 <a:solidFill>
                   <a:srgbClr val="1A1816"/>
@@ -10463,7 +10463,7 @@
                 </a:solidFill>
                 <a:latin typeface="+mn-lt"/>
               </a:rPr>
-              <a:t> of 4</a:t>
+              <a:t> of 1</a:t>
             </a:r>
             <a:endParaRPr lang="en-US" sz="800" b="0" i="0" u="none" dirty="0">
               <a:solidFill>
@@ -10885,7 +10885,7 @@
               </a:rPr>
               <a:t>  |  EPLIJOH Ingemar Johansson S  |  2020-03-20  |  Open  |  Page </a:t>
             </a:r>
-            <a:fld id="{1B50CCFD-4C09-4394-9D30-516D53688193}" type="slidenum">
+            <a:fld id="{8E3382ED-0CB5-4718-A9D4-0BD055C33D65}" type="slidenum">
               <a:rPr lang="en-US" sz="800" b="0" i="0" u="none" smtClean="0">
                 <a:solidFill>
                   <a:srgbClr val="1A1816"/>
@@ -10901,7 +10901,7 @@
                 </a:solidFill>
                 <a:latin typeface="+mn-lt"/>
               </a:rPr>
-              <a:t> of 4</a:t>
+              <a:t> of 1</a:t>
             </a:r>
             <a:endParaRPr lang="en-US" sz="800" b="0" i="0" u="none" dirty="0">
               <a:solidFill>
@@ -11386,7 +11386,7 @@
               </a:rPr>
               <a:t>  |  EPLIJOH Ingemar Johansson S  |  2020-03-20  |  Open  |  Page </a:t>
             </a:r>
-            <a:fld id="{60F01B8A-8A86-4490-9BEC-A4A2AB62678F}" type="slidenum">
+            <a:fld id="{8F1E64E8-24DF-4DFD-9061-0D137039801D}" type="slidenum">
               <a:rPr lang="en-US" sz="800" b="0" i="0" u="none" smtClean="0">
                 <a:solidFill>
                   <a:srgbClr val="1A1816"/>
@@ -11402,7 +11402,7 @@
                 </a:solidFill>
                 <a:latin typeface="+mn-lt"/>
               </a:rPr>
-              <a:t> of 4</a:t>
+              <a:t> of 1</a:t>
             </a:r>
             <a:endParaRPr lang="en-US" sz="800" b="0" i="0" u="none" dirty="0">
               <a:solidFill>
@@ -11900,7 +11900,7 @@
               </a:rPr>
               <a:t>  |  EPLIJOH Ingemar Johansson S  |  2020-03-20  |  Open  |  Page </a:t>
             </a:r>
-            <a:fld id="{E2F7A4C6-5207-4C84-901A-4794DD6E3F7F}" type="slidenum">
+            <a:fld id="{D818A53A-2028-435C-8774-BA3162E02BD5}" type="slidenum">
               <a:rPr lang="en-US" sz="800" b="0" i="0" u="none" smtClean="0">
                 <a:solidFill>
                   <a:srgbClr val="1A1816"/>
@@ -11916,7 +11916,7 @@
                 </a:solidFill>
                 <a:latin typeface="+mn-lt"/>
               </a:rPr>
-              <a:t> of 4</a:t>
+              <a:t> of 1</a:t>
             </a:r>
             <a:endParaRPr lang="en-US" sz="800" b="0" i="0" u="none" dirty="0">
               <a:solidFill>
@@ -12378,7 +12378,7 @@
               </a:rPr>
               <a:t>  |  EPLIJOH Ingemar Johansson S  |  2020-03-20  |  Open  |  Page </a:t>
             </a:r>
-            <a:fld id="{68D3C6B2-4041-40C6-830A-0DD0348BDD43}" type="slidenum">
+            <a:fld id="{89E878C7-96E6-4FC9-A1BA-24ED05CD23B1}" type="slidenum">
               <a:rPr lang="en-US" sz="800" b="0" i="0" u="none" smtClean="0">
                 <a:solidFill>
                   <a:srgbClr val="1A1816"/>
@@ -12394,7 +12394,7 @@
                 </a:solidFill>
                 <a:latin typeface="+mn-lt"/>
               </a:rPr>
-              <a:t> of 4</a:t>
+              <a:t> of 1</a:t>
             </a:r>
             <a:endParaRPr lang="en-US" sz="800" b="0" i="0" u="none" dirty="0">
               <a:solidFill>
@@ -12766,7 +12766,7 @@
               </a:rPr>
               <a:t>  |  EPLIJOH Ingemar Johansson S  |  2020-03-20  |  Open  |  Page </a:t>
             </a:r>
-            <a:fld id="{43DF4DB9-1445-4207-B174-B936F8A9BD18}" type="slidenum">
+            <a:fld id="{0215D248-D632-4BC4-910E-406A8FEF0F03}" type="slidenum">
               <a:rPr lang="en-US" sz="800" b="0" i="0" u="none" smtClean="0">
                 <a:solidFill>
                   <a:schemeClr val="bg1"/>
@@ -12782,7 +12782,7 @@
                 </a:solidFill>
                 <a:latin typeface="+mn-lt"/>
               </a:rPr>
-              <a:t> of 4</a:t>
+              <a:t> of 1</a:t>
             </a:r>
             <a:endParaRPr lang="en-US" sz="800" b="0" i="0" u="none" dirty="0">
               <a:solidFill>
@@ -13315,7 +13315,7 @@
               </a:rPr>
               <a:t>  |  EPLIJOH Ingemar Johansson S  |  2020-03-20  |  Open  |  Page </a:t>
             </a:r>
-            <a:fld id="{6B3E523D-5FFC-45F1-844A-55B84807E032}" type="slidenum">
+            <a:fld id="{E5C13558-0BEE-4B17-B834-979064210923}" type="slidenum">
               <a:rPr lang="en-US" sz="800" b="0" i="0" u="none" smtClean="0">
                 <a:solidFill>
                   <a:srgbClr val="1A1816"/>
@@ -13331,7 +13331,7 @@
                 </a:solidFill>
                 <a:latin typeface="+mn-lt"/>
               </a:rPr>
-              <a:t> of 4</a:t>
+              <a:t> of 1</a:t>
             </a:r>
             <a:endParaRPr lang="en-US" sz="800" b="0" i="0" u="none" dirty="0">
               <a:solidFill>
@@ -14058,7 +14058,7 @@
               </a:rPr>
               <a:t>  |  EPLIJOH Ingemar Johansson S  |  2020-03-20  |  Open  |  Page </a:t>
             </a:r>
-            <a:fld id="{B99F38BB-10C9-4F96-93CA-2CC3EABA4A2C}" type="slidenum">
+            <a:fld id="{137909E7-D2C3-488D-889E-718BE63F30DB}" type="slidenum">
               <a:rPr lang="en-US" sz="800" b="0" i="0" u="none" smtClean="0">
                 <a:solidFill>
                   <a:srgbClr val="1A1816"/>
@@ -14074,7 +14074,7 @@
                 </a:solidFill>
                 <a:latin typeface="+mn-lt"/>
               </a:rPr>
-              <a:t> of 4</a:t>
+              <a:t> of 1</a:t>
             </a:r>
             <a:endParaRPr lang="en-US" sz="800" b="0" i="0" u="none" dirty="0">
               <a:solidFill>
@@ -15414,7 +15414,7 @@
               </a:rPr>
               <a:t>  |  EPLIJOH Ingemar Johansson S  |  2020-03-20  |  Open  |  Page </a:t>
             </a:r>
-            <a:fld id="{C87CF0A4-DC9C-4034-AFA4-426584DB8558}" type="slidenum">
+            <a:fld id="{F9A828B1-FEC5-4ADC-B9C3-0B84AA206C34}" type="slidenum">
               <a:rPr lang="en-US" sz="800" b="0" i="0" u="none" smtClean="0">
                 <a:solidFill>
                   <a:schemeClr val="bg1"/>
@@ -15430,7 +15430,7 @@
                 </a:solidFill>
                 <a:latin typeface="+mn-lt"/>
               </a:rPr>
-              <a:t> of 4</a:t>
+              <a:t> of 1</a:t>
             </a:r>
             <a:endParaRPr lang="en-US" sz="800" b="0" i="0" u="none" dirty="0">
               <a:solidFill>
@@ -15914,7 +15914,7 @@
               </a:rPr>
               <a:t>  |  EPLIJOH Ingemar Johansson S  |  2020-03-20  |  Open  |  Page </a:t>
             </a:r>
-            <a:fld id="{B1906B76-7E75-49B3-B5FE-D224C7126669}" type="slidenum">
+            <a:fld id="{0D107BDA-F6CD-4FE5-8C68-FEB85AB1363B}" type="slidenum">
               <a:rPr lang="en-US" sz="800" b="0" i="0" u="none" smtClean="0">
                 <a:solidFill>
                   <a:schemeClr val="bg1"/>
@@ -15930,7 +15930,7 @@
                 </a:solidFill>
                 <a:latin typeface="+mn-lt"/>
               </a:rPr>
-              <a:t> of 4</a:t>
+              <a:t> of 1</a:t>
             </a:r>
             <a:endParaRPr lang="en-US" sz="800" b="0" i="0" u="none" dirty="0">
               <a:solidFill>
@@ -16297,7 +16297,7 @@
               </a:rPr>
               <a:t>  |  EPLIJOH Ingemar Johansson S  |  2020-03-20  |  Open  |  Page </a:t>
             </a:r>
-            <a:fld id="{1DB596BB-FC0F-4CD3-BFAA-E82248EFE5D3}" type="slidenum">
+            <a:fld id="{8CBA4D9F-86E3-4B5C-B233-06DE8F1557CE}" type="slidenum">
               <a:rPr lang="en-US" sz="800" b="0" i="0" u="none" smtClean="0">
                 <a:solidFill>
                   <a:schemeClr val="bg1"/>
@@ -16313,7 +16313,7 @@
                 </a:solidFill>
                 <a:latin typeface="+mn-lt"/>
               </a:rPr>
-              <a:t> of 4</a:t>
+              <a:t> of 1</a:t>
             </a:r>
             <a:endParaRPr lang="en-US" sz="800" b="0" i="0" u="none" dirty="0">
               <a:solidFill>
@@ -16785,7 +16785,7 @@
               </a:rPr>
               <a:t>  |  EPLIJOH Ingemar Johansson S  |  2020-03-20  |  Open  |  Page </a:t>
             </a:r>
-            <a:fld id="{B889CA56-4209-4EE6-BB9C-C79D2B94DDE1}" type="slidenum">
+            <a:fld id="{6DCCFE4F-6124-4E3B-86E5-77C07DDDD829}" type="slidenum">
               <a:rPr lang="en-US" sz="800" b="0" i="0" u="none" smtClean="0">
                 <a:solidFill>
                   <a:schemeClr val="bg1"/>
@@ -16801,7 +16801,7 @@
                 </a:solidFill>
                 <a:latin typeface="+mn-lt"/>
               </a:rPr>
-              <a:t> of 4</a:t>
+              <a:t> of 1</a:t>
             </a:r>
             <a:endParaRPr lang="en-US" sz="800" b="0" i="0" u="none" dirty="0">
               <a:solidFill>
@@ -17273,7 +17273,7 @@
               </a:rPr>
               <a:t>  |  EPLIJOH Ingemar Johansson S  |  2020-03-20  |  Open  |  Page </a:t>
             </a:r>
-            <a:fld id="{40ACB8CB-A37B-4639-B832-55A1B8F9CB2D}" type="slidenum">
+            <a:fld id="{C33B46FF-8FE8-4B63-B0DB-C09F6B686D46}" type="slidenum">
               <a:rPr lang="en-US" sz="800" b="0" i="0" u="none" smtClean="0">
                 <a:solidFill>
                   <a:schemeClr val="bg1"/>
@@ -17289,7 +17289,7 @@
                 </a:solidFill>
                 <a:latin typeface="+mn-lt"/>
               </a:rPr>
-              <a:t> of 4</a:t>
+              <a:t> of 1</a:t>
             </a:r>
             <a:endParaRPr lang="en-US" sz="800" b="0" i="0" u="none" dirty="0">
               <a:solidFill>
@@ -18271,7 +18271,7 @@
             </a:pPr>
             <a:r>
               <a:rPr lang="sv-SE" dirty="0"/>
-              <a:t> Rate adaptive :  Adjusts bitrate to available network bandwith,    working range 10kbps-150Mbps</a:t>
+              <a:t> Rate adaptive :  Adjusts bitrate to available network bandwith,    working range 10kbps-500Mbps</a:t>
             </a:r>
           </a:p>
           <a:p>
@@ -18281,7 +18281,7 @@
             </a:pPr>
             <a:r>
               <a:rPr lang="sv-SE" dirty="0"/>
-              <a:t> I frames can be modeled</a:t>
+              <a:t> I frames and variable frame sizes can be modeled</a:t>
             </a:r>
           </a:p>
           <a:p>
@@ -18331,7 +18331,7 @@
             </a:br>
             <a:r>
               <a:rPr lang="sv-SE" dirty="0"/>
-              <a:t>RC-Car</a:t>
+              <a:t>RC-Car prototype</a:t>
             </a:r>
           </a:p>
           <a:p>
@@ -20065,13 +20065,11 @@
 </file>
 
 <file path=customXml/item1.xml><?xml version="1.0" encoding="utf-8"?>
-<TemplafySlideTemplateConfiguration><![CDATA[{"documentContentValidatorConfiguration":{"enableDocumentContentValidator":false,"documentContentValidatorVersion":0},"elementsMetadata":[],"slideId":"637171128435492740","enableDocumentContentUpdater":true,"version":"1.9"}]]></TemplafySlideTemplateConfiguration>
+<TemplafySlideFormConfiguration><![CDATA[{"formFields":[],"formDataEntries":[]}]]></TemplafySlideFormConfiguration>
 </file>
 
 <file path=customXml/item10.xml><?xml version="1.0" encoding="utf-8"?>
-<p:properties xmlns:p="http://schemas.microsoft.com/office/2006/metadata/properties" xmlns:xsi="http://www.w3.org/2001/XMLSchema-instance" xmlns:pc="http://schemas.microsoft.com/office/infopath/2007/PartnerControls">
-  <documentManagement/>
-</p:properties>
+<TemplafySlideFormConfiguration><![CDATA[{"formFields":[],"formDataEntries":[]}]]></TemplafySlideFormConfiguration>
 </file>
 
 <file path=customXml/item11.xml><?xml version="1.0" encoding="utf-8"?>
@@ -20083,22 +20081,69 @@
 </file>
 
 <file path=customXml/item13.xml><?xml version="1.0" encoding="utf-8"?>
+<TemplafySlideTemplateConfiguration><![CDATA[{"documentContentValidatorConfiguration":{"enableDocumentContentValidator":false,"documentContentValidatorVersion":0},"elementsMetadata":[],"slideId":"637037983905221558","enableDocumentContentUpdater":true,"version":"1.9"}]]></TemplafySlideTemplateConfiguration>
+</file>
+
+<file path=customXml/item14.xml><?xml version="1.0" encoding="utf-8"?>
 <TemplafySlideFormConfiguration><![CDATA[{"formFields":[],"formDataEntries":[]}]]></TemplafySlideFormConfiguration>
 </file>
 
-<file path=customXml/item14.xml><?xml version="1.0" encoding="utf-8"?>
+<file path=customXml/item15.xml><?xml version="1.0" encoding="utf-8"?>
+<p:properties xmlns:p="http://schemas.microsoft.com/office/2006/metadata/properties" xmlns:xsi="http://www.w3.org/2001/XMLSchema-instance" xmlns:pc="http://schemas.microsoft.com/office/infopath/2007/PartnerControls">
+  <documentManagement/>
+</p:properties>
+</file>
+
+<file path=customXml/item16.xml><?xml version="1.0" encoding="utf-8"?>
+<?mso-contentType ?>
+<FormTemplates xmlns="http://schemas.microsoft.com/sharepoint/v3/contenttype/forms">
+  <Display>DocumentLibraryForm</Display>
+  <Edit>DocumentLibraryForm</Edit>
+  <New>DocumentLibraryForm</New>
+</FormTemplates>
+</file>
+
+<file path=customXml/item17.xml><?xml version="1.0" encoding="utf-8"?>
+<TemplafySlideTemplateConfiguration><![CDATA[{"documentContentValidatorConfiguration":{"enableDocumentContentValidator":false,"documentContentValidatorVersion":0},"elementsMetadata":[],"slideId":"637050925554934895","enableDocumentContentUpdater":true,"version":"1.9"}]]></TemplafySlideTemplateConfiguration>
+</file>
+
+<file path=customXml/item18.xml><?xml version="1.0" encoding="utf-8"?>
+<TemplafySlideFormConfiguration><![CDATA[{"formFields":[],"formDataEntries":[]}]]></TemplafySlideFormConfiguration>
+</file>
+
+<file path=customXml/item19.xml><?xml version="1.0" encoding="utf-8"?>
 <TemplafySlideTemplateConfiguration><![CDATA[{"documentContentValidatorConfiguration":{"enableDocumentContentValidator":false,"documentContentValidatorVersion":0},"elementsMetadata":[],"slideId":"637171128435648944","enableDocumentContentUpdater":true,"version":"1.9"}]]></TemplafySlideTemplateConfiguration>
 </file>
 
-<file path=customXml/item15.xml><?xml version="1.0" encoding="utf-8"?>
-<TemplafySlideTemplateConfiguration><![CDATA[{"documentContentValidatorConfiguration":{"enableDocumentContentValidator":false,"documentContentValidatorVersion":0},"elementsMetadata":[],"slideId":"637037983905221558","enableDocumentContentUpdater":true,"version":"1.9"}]]></TemplafySlideTemplateConfiguration>
+<file path=customXml/item2.xml><?xml version="1.0" encoding="utf-8"?>
+<TemplafyFormConfiguration><![CDATA[{"formFields":[{"required":true,"placeholder":"","lines":0,"type":"textBox","name":"DocumentTitle","label":"Document Title","helpTexts":{"prefix":"","postfix":""},"spacing":{},"fullyQualifiedName":"DocumentTitle"},{"hideIfNoUserInteractionRequired":false,"distinct":true,"required":true,"autoSelectFirstOption":false,"dataSource":"Confidentiality","displayColumn":"confidentiality","type":"dropDown","name":"ConfidentialityClass","label":"Confidentiality Class","helpTexts":{"prefix":"","postfix":""},"spacing":{},"fullyQualifiedName":"ConfidentialityClass"},{"hideIfNoUserInteractionRequired":false,"distinct":true,"required":false,"autoSelectFirstOption":false,"dataSource":"External Confidentiality label","displayColumn":"externalConfidentiality","defaultValue":"1","type":"dropDown","name":"ExternalConfidentialityLabel","label":"External Confidentiality label","helpTexts":{"prefix":"","postfix":"If no external confidentiality class then please choose the blank value"},"spacing":{},"fullyQualifiedName":"ExternalConfidentialityLabel"},{"column":"documentType","required":false,"placeholder":"","autoSelectFirstOption":false,"dataSource":"PowerPoint Document Type","type":"comboBox","name":"DocTypePresentation","label":"Document Type Presentation","helpTexts":{"prefix":"","postfix":"If the document type differs from the default value, click on the X to delete and type/choose another type."},"spacing":{},"fullyQualifiedName":"DocTypePresentation"},{"required":false,"placeholder":"","lines":0,"type":"textBox","name":"DocumentNumber","label":"Document Number","helpTexts":{"prefix":"","postfix":""},"spacing":{},"fullyQualifiedName":"DocumentNumber"},{"hideIfNoUserInteractionRequired":false,"distinct":true,"required":false,"autoSelectFirstOption":false,"dataSource":"Language code","displayColumn":"showName","defaultValue":"1","type":"dropDown","name":"LanguageCode","label":"Language Code","helpTexts":{"prefix":"","postfix":"The language code will be appended to the Document No."},"spacing":{},"fullyQualifiedName":"LanguageCode"},{"column":"revision","required":false,"placeholder":"","autoSelectFirstOption":false,"dataSource":"Revision","type":"comboBox","name":"Revision","label":"Revision","helpTexts":{"prefix":"","postfix":""},"spacing":{},"fullyQualifiedName":"Revision"},{"required":false,"type":"datePicker","name":"Date","label":"Date","helpTexts":{"prefix":"","postfix":""},"spacing":{},"fullyQualifiedName":"Date"},{"type":"heading","name":"FooterVisibilityOptions","label":"Footer Visibility Options","helpTexts":{"prefix":"","postfix":""},"spacing":{},"fullyQualifiedName":"FooterVisibilityOptions"},{"hideIfNoUserInteractionRequired":false,"distinct":true,"required":true,"autoSelectFirstOption":false,"dataSource":"PPT FooterVisibility","displayColumn":"templateType","defaultValue":"1","type":"dropDown","name":"TemplateType","label":"Is this a document or presentation?","helpTexts":{"prefix":"","postfix":""},"spacing":{},"fullyQualifiedName":"TemplateType"},{"hideIfNoUserInteractionRequired":false,"distinct":true,"required":false,"autoSelectFirstOption":true,"dataSource":"PPT FooterVisibility","displayColumn":"docTitle_label","filter":{"column":"templateType","otherFieldName":"TemplateType","fullyQualifiedOtherFieldName":"TemplateType","otherFieldColumn":"TemplateType","formReference":"none","operator":"equals"},"type":"dropDown","name":"DocTitle","label":"Show document title in footer?","helpTexts":{"prefix":"","postfix":""},"spacing":{},"fullyQualifiedName":"DocTitle"},{"hideIfNoUserInteractionRequired":false,"distinct":true,"required":false,"autoSelectFirstOption":true,"dataSource":"PPT FooterVisibility","displayColumn":"totalPageNo_text","filter":{"column":"templateType","otherFieldName":"TemplateType","fullyQualifiedOtherFieldName":"TemplateType","otherFieldColumn":"TemplateType","formReference":"none","operator":"equals"},"type":"dropDown","name":"TotalPageNo","label":"Page numbering","helpTexts":{"prefix":"","postfix":""},"spacing":{},"fullyQualifiedName":"TotalPageNo"},{"required":false,"placeholder":"","lines":0,"defaultValue":"{{UserProfile.Prepared}}","type":"textBox","name":"Prepared","label":"Prepared By (Subject Responsible)","helpTexts":{"prefix":"","postfix":""},"spacing":{},"fullyQualifiedName":"Prepared"},{"required":false,"placeholder":"","lines":0,"type":"textBox","name":"ApprovedBy","label":"Approved By (Document Responsible)","helpTexts":{"prefix":"","postfix":""},"spacing":{},"fullyQualifiedName":"ApprovedBy"},{"required":false,"placeholder":"","lines":0,"type":"textBox","name":"Checked","label":"Checked","helpTexts":{"prefix":"","postfix":""},"spacing":{},"fullyQualifiedName":"Checked"},{"required":false,"placeholder":"","lines":0,"type":"textBox","name":"Reference","label":"Reference","helpTexts":{"prefix":"","postfix":""},"spacing":{},"fullyQualifiedName":"Reference"},{"required":false,"placeholder":"","lines":0,"type":"textBox","name":"Keywords","label":"Keywords","helpTexts":{"prefix":"","postfix":""},"spacing":{},"fullyQualifiedName":"Keywords"}],"formDataEntries":[{"name":"DocumentTitle","value":"z4aSwb2Y68PmvnRNHO+DiTD0XQ6QNGPG+oGJ0/zNvRw="},{"name":"ConfidentialityClass","value":"cT/FOwTWaPknrhRlNMh4SQ=="},{"name":"ExternalConfidentialityLabel","value":"u2D/MG3wyuAQhkGvE2fPaA=="},{"name":"LanguageCode","value":"5wlu7ZdPxHQj1W0w+yTNSg=="},{"name":"Date","value":"vb48xUhp/+BouvbbBJesXw=="},{"name":"TemplateType","value":"5wlu7ZdPxHQj1W0w+yTNSg=="},{"name":"DocTitle","value":"5wlu7ZdPxHQj1W0w+yTNSg=="},{"name":"TotalPageNo","value":"5wlu7ZdPxHQj1W0w+yTNSg=="},{"name":"Prepared","value":"qnh7Hn/L98fK8NfcMwbk8nX0dKRVbrM/eDuMq8Bnh4k="}]}]]></TemplafyFormConfiguration>
 </file>
 
-<file path=customXml/item16.xml><?xml version="1.0" encoding="utf-8"?>
+<file path=customXml/item20.xml><?xml version="1.0" encoding="utf-8"?>
+<TemplafyTemplateConfiguration><![CDATA[{"elementsMetadata":[{"type":"shape","id":"750af896-a2e5-4465-9250-2c90889ee16a","elementConfiguration":{"inheritDimensions":"inheritNone","height":"1.34 cm","binding":"Form.LogoInsertion.Pplogoname","disableUpdates":false,"type":"image"}}],"transformationConfigurations":[{"language":"{{DocumentLanguage}}","disableUpdates":false,"type":"proofingLanguage"},{"propertyName":"FooterText","propertyValue":"true","disableUpdates":false,"type":"customDocumentProperty"},{"propertyName":"SecurityClass","propertyValue":"{{Form.ConfidentialityClass.Confidentiality}}","disableUpdates":false,"type":"customDocumentProperty"},{"propertyName":"ExtConf","propertyValue":"{{Form.ExternalConfidentialityLabel.ExternalConfidentiality}}","disableUpdates":false,"type":"customDocumentProperty"},{"propertyName":"Prepared","propertyValue":"{{Form.Prepared}}","disableUpdates":false,"type":"customDocumentProperty"},{"propertyName":"ApprovedBy","propertyValue":"{{Form.ApprovedBy}}","disableUpdates":false,"type":"customDocumentProperty"},{"propertyName":"DocNo","propertyValue":"{{Form.DocumentNumber}} {{Form.LanguageCode.LanguageCode}}","disableUpdates":false,"type":"customDocumentProperty"},{"propertyName":"Checked","propertyValue":"{{Form.Checked}}","disableUpdates":false,"type":"customDocumentProperty"},{"propertyName":"Date","propertyValue":"{{Form.Date}}","disableUpdates":false,"type":"customDocumentProperty"},{"propertyName":"Reference","propertyValue":"{{Form.Reference}}","disableUpdates":false,"type":"customDocumentProperty"},{"propertyName":"Title","propertyValue":"{{Form.DocumentTitle}}","disableUpdates":false,"type":"customDocumentProperty"},{"propertyName":"Keyword","propertyValue":"{{Form.Keywords}}","disableUpdates":false,"type":"customDocumentProperty"},{"propertyName":"DocumentType","propertyValue":"Presentation2011","disableUpdates":false,"type":"customDocumentProperty"},{"propertyName":"Language","propertyValue":"EnglishUS","disableUpdates":false,"type":"customDocumentProperty"},{"propertyName":"TemplateID","propertyValue":"FALSE","disableUpdates":false,"type":"customDocumentProperty"},{"propertyName":"ConfCtrl","propertyValue":"FALSE","disableUpdates":false,"type":"customDocumentProperty"},{"propertyName":"title","propertyValue":"{{Form.DocumentTitle}}","disableUpdates":false,"type":"documentProperty"},{"propertyName":"keywords","propertyValue":"{{Form.Keywords}}","disableUpdates":false,"type":"documentProperty"},{"propertyName":"creator","propertyValue":"{{Form.Prepared}}","disableUpdates":false,"type":"documentProperty"},{"propertyName":"DocTitle","propertyValue":"{{Form.DocTitle.DocTitle}}","disableUpdates":false,"type":"customDocumentProperty"},{"propertyName":"IsDocument","propertyValue":"{{Form.TemplateType.IsDocument}}","disableUpdates":false,"type":"customDocumentProperty"},{"propertyName":"IsPresentation","propertyValue":"{{Form.TemplateType.IsPresentation}}","disableUpdates":false,"type":"customDocumentProperty"},{"propertyName":"company","propertyValue":"Ericsson","disableUpdates":false,"type":"documentProperty"},{"propertyName":"PageNumberVisible","propertyValue":"{{Form.TotalPageNo.TotalPageNo_value}}","disableUpdates":false,"type":"customDocumentProperty"},{"propertyName":"Revision","propertyValue":"{{Form.Revision}}","disableUpdates":false,"type":"customDocumentProperty"},{"propertyName":"DocType","propertyValue":"{{Form.DocTypePresentation}}","disableUpdates":false,"type":"customDocumentProperty"},{"propertyName":"TemplateVersion","propertyValue":"R2A","disableUpdates":false,"type":"customDocumentProperty"},{"propertyName":"PackageNo","propertyValue":"LXA 119 603","disableUpdates":false,"type":"customDocumentProperty"},{"propertyName":"PackageVersion","propertyValue":"R6B","disableUpdates":false,"type":"customDocumentProperty"},{"propertyName":"TemplateName","propertyValue":"CXC 173 2731/1","disableUpdates":false,"type":"customDocumentProperty"},{"propertyName":"DocName","propertyValue":" ","disableUpdates":false,"type":"customDocumentProperty"},{"propertyName":"description","propertyValue":"{{Form.DocumentNumber}} {{Form.LanguageCode.LanguageCode}}\nRev {{Form.Revision}}","disableUpdates":false,"type":"documentProperty"}],"templateName":"New presentation (Standard landscape)","templateDescription":"","enableDocumentContentUpdater":true,"version":"1.9"}]]></TemplafyTemplateConfiguration>
+</file>
+
+<file path=customXml/item21.xml><?xml version="1.0" encoding="utf-8"?>
+<TemplafySlideTemplateConfiguration><![CDATA[{"documentContentValidatorConfiguration":{"enableDocumentContentValidator":false,"documentContentValidatorVersion":0},"elementsMetadata":[],"slideId":"637171128435180813","enableDocumentContentUpdater":true,"version":"1.9"}]]></TemplafySlideTemplateConfiguration>
+</file>
+
+<file path=customXml/item22.xml><?xml version="1.0" encoding="utf-8"?>
 <TemplafySlideFormConfiguration><![CDATA[{"formFields":[],"formDataEntries":[]}]]></TemplafySlideFormConfiguration>
 </file>
 
-<file path=customXml/item17.xml><?xml version="1.0" encoding="utf-8"?>
+<file path=customXml/item23.xml><?xml version="1.0" encoding="utf-8"?>
+<TemplafySlideTemplateConfiguration><![CDATA[{"documentContentValidatorConfiguration":{"enableDocumentContentValidator":false,"documentContentValidatorVersion":0},"elementsMetadata":[],"slideId":"637171128435492741","enableDocumentContentUpdater":true,"version":"1.9"}]]></TemplafySlideTemplateConfiguration>
+</file>
+
+<file path=customXml/item3.xml><?xml version="1.0" encoding="utf-8"?>
+<TemplafySlideTemplateConfiguration><![CDATA[{"documentContentValidatorConfiguration":{"enableDocumentContentValidator":false,"documentContentValidatorVersion":0},"elementsMetadata":[],"slideId":"637037983905678162","enableDocumentContentUpdater":true,"version":"1.9"}]]></TemplafySlideTemplateConfiguration>
+</file>
+
+<file path=customXml/item4.xml><?xml version="1.0" encoding="utf-8"?>
+<TemplafySlideFormConfiguration><![CDATA[{"formFields":[],"formDataEntries":[]}]]></TemplafySlideFormConfiguration>
+</file>
+
+<file path=customXml/item5.xml><?xml version="1.0" encoding="utf-8"?>
 <ct:contentTypeSchema xmlns:ct="http://schemas.microsoft.com/office/2006/metadata/contentType" xmlns:ma="http://schemas.microsoft.com/office/2006/metadata/properties/metaAttributes" ct:_="" ma:_="" ma:contentTypeName="Document" ma:contentTypeID="0x0101002C8661F604A9A64C9627B875CBEE0D49" ma:contentTypeVersion="13" ma:contentTypeDescription="Create a new document." ma:contentTypeScope="" ma:versionID="efb89547655977800231d60c8e2388d5">
   <xsd:schema xmlns:xsd="http://www.w3.org/2001/XMLSchema" xmlns:xs="http://www.w3.org/2001/XMLSchema" xmlns:p="http://schemas.microsoft.com/office/2006/metadata/properties" xmlns:ns3="92e1255f-bb7b-4dc9-b051-584cc104eb44" xmlns:ns4="a6550eff-0fc9-443f-8e77-72cbcf778382" targetNamespace="http://schemas.microsoft.com/office/2006/metadata/properties" ma:root="true" ma:fieldsID="5147822fdb6803771ba7305cbc438486" ns3:_="" ns4:_="">
     <xsd:import namespace="92e1255f-bb7b-4dc9-b051-584cc104eb44"/>
@@ -20321,74 +20366,59 @@
 </ct:contentTypeSchema>
 </file>
 
-<file path=customXml/item18.xml><?xml version="1.0" encoding="utf-8"?>
-<TemplafySlideTemplateConfiguration><![CDATA[{"documentContentValidatorConfiguration":{"enableDocumentContentValidator":false,"documentContentValidatorVersion":0},"elementsMetadata":[],"slideId":"637171128435492741","enableDocumentContentUpdater":true,"version":"1.9"}]]></TemplafySlideTemplateConfiguration>
-</file>
-
-<file path=customXml/item19.xml><?xml version="1.0" encoding="utf-8"?>
-<?mso-contentType ?>
-<FormTemplates xmlns="http://schemas.microsoft.com/sharepoint/v3/contenttype/forms">
-  <Display>DocumentLibraryForm</Display>
-  <Edit>DocumentLibraryForm</Edit>
-  <New>DocumentLibraryForm</New>
-</FormTemplates>
-</file>
-
-<file path=customXml/item2.xml><?xml version="1.0" encoding="utf-8"?>
-<TemplafySlideFormConfiguration><![CDATA[{"formFields":[],"formDataEntries":[]}]]></TemplafySlideFormConfiguration>
-</file>
-
-<file path=customXml/item20.xml><?xml version="1.0" encoding="utf-8"?>
-<TemplafySlideTemplateConfiguration><![CDATA[{"elementsMetadata":[],"documentContentValidatorConfiguration":{"enableDocumentContentValidator":false,"documentContentValidatorVersion":0},"slideId":"637027476704980324","enableDocumentContentUpdater":true,"version":"1.9"}]]></TemplafySlideTemplateConfiguration>
-</file>
-
-<file path=customXml/item21.xml><?xml version="1.0" encoding="utf-8"?>
-<TemplafyFormConfiguration><![CDATA[{"formFields":[{"required":true,"placeholder":"","lines":0,"type":"textBox","name":"DocumentTitle","label":"Document Title","helpTexts":{"prefix":"","postfix":""},"spacing":{},"fullyQualifiedName":"DocumentTitle"},{"hideIfNoUserInteractionRequired":false,"distinct":true,"required":true,"autoSelectFirstOption":false,"dataSource":"Confidentiality","displayColumn":"confidentiality","type":"dropDown","name":"ConfidentialityClass","label":"Confidentiality Class","helpTexts":{"prefix":"","postfix":""},"spacing":{},"fullyQualifiedName":"ConfidentialityClass"},{"hideIfNoUserInteractionRequired":false,"distinct":true,"required":false,"autoSelectFirstOption":false,"dataSource":"External Confidentiality label","displayColumn":"externalConfidentiality","defaultValue":"1","type":"dropDown","name":"ExternalConfidentialityLabel","label":"External Confidentiality label","helpTexts":{"prefix":"","postfix":"If no external confidentiality class then please choose the blank value"},"spacing":{},"fullyQualifiedName":"ExternalConfidentialityLabel"},{"column":"documentType","required":false,"placeholder":"","autoSelectFirstOption":false,"dataSource":"PowerPoint Document Type","type":"comboBox","name":"DocTypePresentation","label":"Document Type Presentation","helpTexts":{"prefix":"","postfix":"If the document type differs from the default value, click on the X to delete and type/choose another type."},"spacing":{},"fullyQualifiedName":"DocTypePresentation"},{"required":false,"placeholder":"","lines":0,"type":"textBox","name":"DocumentNumber","label":"Document Number","helpTexts":{"prefix":"","postfix":""},"spacing":{},"fullyQualifiedName":"DocumentNumber"},{"hideIfNoUserInteractionRequired":false,"distinct":true,"required":false,"autoSelectFirstOption":false,"dataSource":"Language code","displayColumn":"showName","defaultValue":"1","type":"dropDown","name":"LanguageCode","label":"Language Code","helpTexts":{"prefix":"","postfix":"The language code will be appended to the Document No."},"spacing":{},"fullyQualifiedName":"LanguageCode"},{"column":"revision","required":false,"placeholder":"","autoSelectFirstOption":false,"dataSource":"Revision","type":"comboBox","name":"Revision","label":"Revision","helpTexts":{"prefix":"","postfix":""},"spacing":{},"fullyQualifiedName":"Revision"},{"required":false,"type":"datePicker","name":"Date","label":"Date","helpTexts":{"prefix":"","postfix":""},"spacing":{},"fullyQualifiedName":"Date"},{"type":"heading","name":"FooterVisibilityOptions","label":"Footer Visibility Options","helpTexts":{"prefix":"","postfix":""},"spacing":{},"fullyQualifiedName":"FooterVisibilityOptions"},{"hideIfNoUserInteractionRequired":false,"distinct":true,"required":true,"autoSelectFirstOption":false,"dataSource":"PPT FooterVisibility","displayColumn":"templateType","defaultValue":"1","type":"dropDown","name":"TemplateType","label":"Is this a document or presentation?","helpTexts":{"prefix":"","postfix":""},"spacing":{},"fullyQualifiedName":"TemplateType"},{"hideIfNoUserInteractionRequired":false,"distinct":true,"required":false,"autoSelectFirstOption":true,"dataSource":"PPT FooterVisibility","displayColumn":"docTitle_label","filter":{"column":"templateType","otherFieldName":"TemplateType","fullyQualifiedOtherFieldName":"TemplateType","otherFieldColumn":"TemplateType","formReference":"none","operator":"equals"},"type":"dropDown","name":"DocTitle","label":"Show document title in footer?","helpTexts":{"prefix":"","postfix":""},"spacing":{},"fullyQualifiedName":"DocTitle"},{"hideIfNoUserInteractionRequired":false,"distinct":true,"required":false,"autoSelectFirstOption":true,"dataSource":"PPT FooterVisibility","displayColumn":"totalPageNo_text","filter":{"column":"templateType","otherFieldName":"TemplateType","fullyQualifiedOtherFieldName":"TemplateType","otherFieldColumn":"TemplateType","formReference":"none","operator":"equals"},"type":"dropDown","name":"TotalPageNo","label":"Page numbering","helpTexts":{"prefix":"","postfix":""},"spacing":{},"fullyQualifiedName":"TotalPageNo"},{"required":false,"placeholder":"","lines":0,"defaultValue":"{{UserProfile.Prepared}}","type":"textBox","name":"Prepared","label":"Prepared By (Subject Responsible)","helpTexts":{"prefix":"","postfix":""},"spacing":{},"fullyQualifiedName":"Prepared"},{"required":false,"placeholder":"","lines":0,"type":"textBox","name":"ApprovedBy","label":"Approved By (Document Responsible)","helpTexts":{"prefix":"","postfix":""},"spacing":{},"fullyQualifiedName":"ApprovedBy"},{"required":false,"placeholder":"","lines":0,"type":"textBox","name":"Checked","label":"Checked","helpTexts":{"prefix":"","postfix":""},"spacing":{},"fullyQualifiedName":"Checked"},{"required":false,"placeholder":"","lines":0,"type":"textBox","name":"Reference","label":"Reference","helpTexts":{"prefix":"","postfix":""},"spacing":{},"fullyQualifiedName":"Reference"},{"required":false,"placeholder":"","lines":0,"type":"textBox","name":"Keywords","label":"Keywords","helpTexts":{"prefix":"","postfix":""},"spacing":{},"fullyQualifiedName":"Keywords"}],"formDataEntries":[{"name":"DocumentTitle","value":"z4aSwb2Y68PmvnRNHO+DiTD0XQ6QNGPG+oGJ0/zNvRw="},{"name":"ConfidentialityClass","value":"cT/FOwTWaPknrhRlNMh4SQ=="},{"name":"ExternalConfidentialityLabel","value":"u2D/MG3wyuAQhkGvE2fPaA=="},{"name":"LanguageCode","value":"5wlu7ZdPxHQj1W0w+yTNSg=="},{"name":"Date","value":"vb48xUhp/+BouvbbBJesXw=="},{"name":"TemplateType","value":"5wlu7ZdPxHQj1W0w+yTNSg=="},{"name":"DocTitle","value":"5wlu7ZdPxHQj1W0w+yTNSg=="},{"name":"TotalPageNo","value":"5wlu7ZdPxHQj1W0w+yTNSg=="},{"name":"Prepared","value":"qnh7Hn/L98fK8NfcMwbk8nX0dKRVbrM/eDuMq8Bnh4k="}]}]]></TemplafyFormConfiguration>
-</file>
-
-<file path=customXml/item22.xml><?xml version="1.0" encoding="utf-8"?>
-<TemplafyTemplateConfiguration><![CDATA[{"elementsMetadata":[{"type":"shape","id":"750af896-a2e5-4465-9250-2c90889ee16a","elementConfiguration":{"inheritDimensions":"inheritNone","height":"1.34 cm","binding":"Form.LogoInsertion.Pplogoname","disableUpdates":false,"type":"image"}}],"transformationConfigurations":[{"language":"{{DocumentLanguage}}","disableUpdates":false,"type":"proofingLanguage"},{"propertyName":"FooterText","propertyValue":"true","disableUpdates":false,"type":"customDocumentProperty"},{"propertyName":"SecurityClass","propertyValue":"{{Form.ConfidentialityClass.Confidentiality}}","disableUpdates":false,"type":"customDocumentProperty"},{"propertyName":"ExtConf","propertyValue":"{{Form.ExternalConfidentialityLabel.ExternalConfidentiality}}","disableUpdates":false,"type":"customDocumentProperty"},{"propertyName":"Prepared","propertyValue":"{{Form.Prepared}}","disableUpdates":false,"type":"customDocumentProperty"},{"propertyName":"ApprovedBy","propertyValue":"{{Form.ApprovedBy}}","disableUpdates":false,"type":"customDocumentProperty"},{"propertyName":"DocNo","propertyValue":"{{Form.DocumentNumber}} {{Form.LanguageCode.LanguageCode}}","disableUpdates":false,"type":"customDocumentProperty"},{"propertyName":"Checked","propertyValue":"{{Form.Checked}}","disableUpdates":false,"type":"customDocumentProperty"},{"propertyName":"Date","propertyValue":"{{Form.Date}}","disableUpdates":false,"type":"customDocumentProperty"},{"propertyName":"Reference","propertyValue":"{{Form.Reference}}","disableUpdates":false,"type":"customDocumentProperty"},{"propertyName":"Title","propertyValue":"{{Form.DocumentTitle}}","disableUpdates":false,"type":"customDocumentProperty"},{"propertyName":"Keyword","propertyValue":"{{Form.Keywords}}","disableUpdates":false,"type":"customDocumentProperty"},{"propertyName":"DocumentType","propertyValue":"Presentation2011","disableUpdates":false,"type":"customDocumentProperty"},{"propertyName":"Language","propertyValue":"EnglishUS","disableUpdates":false,"type":"customDocumentProperty"},{"propertyName":"TemplateID","propertyValue":"FALSE","disableUpdates":false,"type":"customDocumentProperty"},{"propertyName":"ConfCtrl","propertyValue":"FALSE","disableUpdates":false,"type":"customDocumentProperty"},{"propertyName":"title","propertyValue":"{{Form.DocumentTitle}}","disableUpdates":false,"type":"documentProperty"},{"propertyName":"keywords","propertyValue":"{{Form.Keywords}}","disableUpdates":false,"type":"documentProperty"},{"propertyName":"creator","propertyValue":"{{Form.Prepared}}","disableUpdates":false,"type":"documentProperty"},{"propertyName":"DocTitle","propertyValue":"{{Form.DocTitle.DocTitle}}","disableUpdates":false,"type":"customDocumentProperty"},{"propertyName":"IsDocument","propertyValue":"{{Form.TemplateType.IsDocument}}","disableUpdates":false,"type":"customDocumentProperty"},{"propertyName":"IsPresentation","propertyValue":"{{Form.TemplateType.IsPresentation}}","disableUpdates":false,"type":"customDocumentProperty"},{"propertyName":"company","propertyValue":"Ericsson","disableUpdates":false,"type":"documentProperty"},{"propertyName":"PageNumberVisible","propertyValue":"{{Form.TotalPageNo.TotalPageNo_value}}","disableUpdates":false,"type":"customDocumentProperty"},{"propertyName":"Revision","propertyValue":"{{Form.Revision}}","disableUpdates":false,"type":"customDocumentProperty"},{"propertyName":"DocType","propertyValue":"{{Form.DocTypePresentation}}","disableUpdates":false,"type":"customDocumentProperty"},{"propertyName":"TemplateVersion","propertyValue":"R2A","disableUpdates":false,"type":"customDocumentProperty"},{"propertyName":"PackageNo","propertyValue":"LXA 119 603","disableUpdates":false,"type":"customDocumentProperty"},{"propertyName":"PackageVersion","propertyValue":"R6B","disableUpdates":false,"type":"customDocumentProperty"},{"propertyName":"TemplateName","propertyValue":"CXC 173 2731/1","disableUpdates":false,"type":"customDocumentProperty"},{"propertyName":"DocName","propertyValue":" ","disableUpdates":false,"type":"customDocumentProperty"},{"propertyName":"description","propertyValue":"{{Form.DocumentNumber}} {{Form.LanguageCode.LanguageCode}}\nRev {{Form.Revision}}","disableUpdates":false,"type":"documentProperty"}],"templateName":"New presentation (Standard landscape)","templateDescription":"","enableDocumentContentUpdater":true,"version":"1.9"}]]></TemplafyTemplateConfiguration>
-</file>
-
-<file path=customXml/item23.xml><?xml version="1.0" encoding="utf-8"?>
-<TemplafySlideFormConfiguration><![CDATA[{"formFields":[],"formDataEntries":[]}]]></TemplafySlideFormConfiguration>
-</file>
-
-<file path=customXml/item3.xml><?xml version="1.0" encoding="utf-8"?>
-<TemplafySlideFormConfiguration><![CDATA[{"formFields":[],"formDataEntries":[]}]]></TemplafySlideFormConfiguration>
-</file>
-
-<file path=customXml/item4.xml><?xml version="1.0" encoding="utf-8"?>
-<TemplafySlideTemplateConfiguration><![CDATA[{"documentContentValidatorConfiguration":{"enableDocumentContentValidator":false,"documentContentValidatorVersion":0},"elementsMetadata":[],"slideId":"637050925554934895","enableDocumentContentUpdater":true,"version":"1.9"}]]></TemplafySlideTemplateConfiguration>
-</file>
-
-<file path=customXml/item5.xml><?xml version="1.0" encoding="utf-8"?>
-<TemplafySlideFormConfiguration><![CDATA[{"formFields":[],"formDataEntries":[]}]]></TemplafySlideFormConfiguration>
-</file>
-
 <file path=customXml/item6.xml><?xml version="1.0" encoding="utf-8"?>
 <TemplafySlideFormConfiguration><![CDATA[{"formFields":[],"formDataEntries":[]}]]></TemplafySlideFormConfiguration>
 </file>
 
 <file path=customXml/item7.xml><?xml version="1.0" encoding="utf-8"?>
-<TemplafySlideTemplateConfiguration><![CDATA[{"documentContentValidatorConfiguration":{"enableDocumentContentValidator":false,"documentContentValidatorVersion":0},"elementsMetadata":[],"slideId":"637037983905678162","enableDocumentContentUpdater":true,"version":"1.9"}]]></TemplafySlideTemplateConfiguration>
+<TemplafySlideFormConfiguration><![CDATA[{"formFields":[],"formDataEntries":[]}]]></TemplafySlideFormConfiguration>
 </file>
 
 <file path=customXml/item8.xml><?xml version="1.0" encoding="utf-8"?>
-<TemplafySlideTemplateConfiguration><![CDATA[{"documentContentValidatorConfiguration":{"enableDocumentContentValidator":false,"documentContentValidatorVersion":0},"elementsMetadata":[],"slideId":"637171128435180813","enableDocumentContentUpdater":true,"version":"1.9"}]]></TemplafySlideTemplateConfiguration>
+<TemplafySlideTemplateConfiguration><![CDATA[{"elementsMetadata":[],"documentContentValidatorConfiguration":{"enableDocumentContentValidator":false,"documentContentValidatorVersion":0},"slideId":"637027476704980324","enableDocumentContentUpdater":true,"version":"1.9"}]]></TemplafySlideTemplateConfiguration>
 </file>
 
 <file path=customXml/item9.xml><?xml version="1.0" encoding="utf-8"?>
-<TemplafySlideFormConfiguration><![CDATA[{"formFields":[],"formDataEntries":[]}]]></TemplafySlideFormConfiguration>
+<TemplafySlideTemplateConfiguration><![CDATA[{"documentContentValidatorConfiguration":{"enableDocumentContentValidator":false,"documentContentValidatorVersion":0},"elementsMetadata":[],"slideId":"637171128435492740","enableDocumentContentUpdater":true,"version":"1.9"}]]></TemplafySlideTemplateConfiguration>
 </file>
 
 <file path=customXml/itemProps1.xml><?xml version="1.0" encoding="utf-8"?>
-<ds:datastoreItem xmlns:ds="http://schemas.openxmlformats.org/officeDocument/2006/customXml" ds:itemID="{18379136-FE10-433F-B7CF-F1DB47C30C13}">
+<ds:datastoreItem xmlns:ds="http://schemas.openxmlformats.org/officeDocument/2006/customXml" ds:itemID="{B9AEDDE3-EA02-4A8F-B8F8-0606A0AA45FC}">
   <ds:schemaRefs/>
 </ds:datastoreItem>
 </file>
 
 <file path=customXml/itemProps10.xml><?xml version="1.0" encoding="utf-8"?>
+<ds:datastoreItem xmlns:ds="http://schemas.openxmlformats.org/officeDocument/2006/customXml" ds:itemID="{988B3091-C46F-4FFE-88B4-B31B27613CCF}">
+  <ds:schemaRefs/>
+</ds:datastoreItem>
+</file>
+
+<file path=customXml/itemProps11.xml><?xml version="1.0" encoding="utf-8"?>
+<ds:datastoreItem xmlns:ds="http://schemas.openxmlformats.org/officeDocument/2006/customXml" ds:itemID="{72516535-7702-46AF-9B1F-8623A67A824E}">
+  <ds:schemaRefs/>
+</ds:datastoreItem>
+</file>
+
+<file path=customXml/itemProps12.xml><?xml version="1.0" encoding="utf-8"?>
+<ds:datastoreItem xmlns:ds="http://schemas.openxmlformats.org/officeDocument/2006/customXml" ds:itemID="{D72A95EB-8536-47FD-944A-8DD76726FC96}">
+  <ds:schemaRefs/>
+</ds:datastoreItem>
+</file>
+
+<file path=customXml/itemProps13.xml><?xml version="1.0" encoding="utf-8"?>
+<ds:datastoreItem xmlns:ds="http://schemas.openxmlformats.org/officeDocument/2006/customXml" ds:itemID="{683FEB75-8CFA-449C-A6B1-B1E4A86A58A1}">
+  <ds:schemaRefs/>
+</ds:datastoreItem>
+</file>
+
+<file path=customXml/itemProps14.xml><?xml version="1.0" encoding="utf-8"?>
+<ds:datastoreItem xmlns:ds="http://schemas.openxmlformats.org/officeDocument/2006/customXml" ds:itemID="{58CC0B31-82B9-497A-9A2E-F3F72D0BBDAD}">
+  <ds:schemaRefs/>
+</ds:datastoreItem>
+</file>
+
+<file path=customXml/itemProps15.xml><?xml version="1.0" encoding="utf-8"?>
 <ds:datastoreItem xmlns:ds="http://schemas.openxmlformats.org/officeDocument/2006/customXml" ds:itemID="{56F2EE69-0CCA-4F48-BE22-EC4A886C57A7}">
   <ds:schemaRefs>
     <ds:schemaRef ds:uri="http://purl.org/dc/terms/"/>
@@ -20405,43 +20435,75 @@
 </ds:datastoreItem>
 </file>
 
-<file path=customXml/itemProps11.xml><?xml version="1.0" encoding="utf-8"?>
-<ds:datastoreItem xmlns:ds="http://schemas.openxmlformats.org/officeDocument/2006/customXml" ds:itemID="{72516535-7702-46AF-9B1F-8623A67A824E}">
+<file path=customXml/itemProps16.xml><?xml version="1.0" encoding="utf-8"?>
+<ds:datastoreItem xmlns:ds="http://schemas.openxmlformats.org/officeDocument/2006/customXml" ds:itemID="{F5A7E41D-6E7F-4B05-AFAB-F540BD4C068B}">
+  <ds:schemaRefs>
+    <ds:schemaRef ds:uri="http://schemas.microsoft.com/sharepoint/v3/contenttype/forms"/>
+  </ds:schemaRefs>
+</ds:datastoreItem>
+</file>
+
+<file path=customXml/itemProps17.xml><?xml version="1.0" encoding="utf-8"?>
+<ds:datastoreItem xmlns:ds="http://schemas.openxmlformats.org/officeDocument/2006/customXml" ds:itemID="{03AF3FDC-ACD1-46F3-A43E-782322DF9816}">
   <ds:schemaRefs/>
 </ds:datastoreItem>
 </file>
 
-<file path=customXml/itemProps12.xml><?xml version="1.0" encoding="utf-8"?>
+<file path=customXml/itemProps18.xml><?xml version="1.0" encoding="utf-8"?>
+<ds:datastoreItem xmlns:ds="http://schemas.openxmlformats.org/officeDocument/2006/customXml" ds:itemID="{C99E78A0-C9D4-446F-B674-4DD3E2B46C5D}">
+  <ds:schemaRefs/>
+</ds:datastoreItem>
+</file>
+
+<file path=customXml/itemProps19.xml><?xml version="1.0" encoding="utf-8"?>
+<ds:datastoreItem xmlns:ds="http://schemas.openxmlformats.org/officeDocument/2006/customXml" ds:itemID="{C750C5DC-043F-4BD3-940C-EB6F7625E286}">
+  <ds:schemaRefs/>
+</ds:datastoreItem>
+</file>
+
+<file path=customXml/itemProps2.xml><?xml version="1.0" encoding="utf-8"?>
+<ds:datastoreItem xmlns:ds="http://schemas.openxmlformats.org/officeDocument/2006/customXml" ds:itemID="{D92C3DF5-A179-4E2D-BD20-07044B39171F}">
+  <ds:schemaRefs/>
+</ds:datastoreItem>
+</file>
+
+<file path=customXml/itemProps20.xml><?xml version="1.0" encoding="utf-8"?>
+<ds:datastoreItem xmlns:ds="http://schemas.openxmlformats.org/officeDocument/2006/customXml" ds:itemID="{07958A4E-FAB1-42E4-B6B5-29B01F63F87B}">
+  <ds:schemaRefs/>
+</ds:datastoreItem>
+</file>
+
+<file path=customXml/itemProps21.xml><?xml version="1.0" encoding="utf-8"?>
+<ds:datastoreItem xmlns:ds="http://schemas.openxmlformats.org/officeDocument/2006/customXml" ds:itemID="{AB2F4486-6448-49E3-8249-BB9C7492711D}">
+  <ds:schemaRefs/>
+</ds:datastoreItem>
+</file>
+
+<file path=customXml/itemProps22.xml><?xml version="1.0" encoding="utf-8"?>
+<ds:datastoreItem xmlns:ds="http://schemas.openxmlformats.org/officeDocument/2006/customXml" ds:itemID="{EB9F6966-B10B-4B12-8937-9B3AF3914F72}">
+  <ds:schemaRefs/>
+</ds:datastoreItem>
+</file>
+
+<file path=customXml/itemProps23.xml><?xml version="1.0" encoding="utf-8"?>
+<ds:datastoreItem xmlns:ds="http://schemas.openxmlformats.org/officeDocument/2006/customXml" ds:itemID="{D6D76F00-E2BC-41F3-BBE4-EE0B7739D844}">
+  <ds:schemaRefs/>
+</ds:datastoreItem>
+</file>
+
+<file path=customXml/itemProps3.xml><?xml version="1.0" encoding="utf-8"?>
+<ds:datastoreItem xmlns:ds="http://schemas.openxmlformats.org/officeDocument/2006/customXml" ds:itemID="{1CE36EA9-2186-4EB1-871A-8AE59C2A13BB}">
+  <ds:schemaRefs/>
+</ds:datastoreItem>
+</file>
+
+<file path=customXml/itemProps4.xml><?xml version="1.0" encoding="utf-8"?>
 <ds:datastoreItem xmlns:ds="http://schemas.openxmlformats.org/officeDocument/2006/customXml" ds:itemID="{822D38AD-8010-4CD3-BD6B-117CB8DF70A4}">
   <ds:schemaRefs/>
 </ds:datastoreItem>
 </file>
 
-<file path=customXml/itemProps13.xml><?xml version="1.0" encoding="utf-8"?>
-<ds:datastoreItem xmlns:ds="http://schemas.openxmlformats.org/officeDocument/2006/customXml" ds:itemID="{EB9F6966-B10B-4B12-8937-9B3AF3914F72}">
-  <ds:schemaRefs/>
-</ds:datastoreItem>
-</file>
-
-<file path=customXml/itemProps14.xml><?xml version="1.0" encoding="utf-8"?>
-<ds:datastoreItem xmlns:ds="http://schemas.openxmlformats.org/officeDocument/2006/customXml" ds:itemID="{C750C5DC-043F-4BD3-940C-EB6F7625E286}">
-  <ds:schemaRefs/>
-</ds:datastoreItem>
-</file>
-
-<file path=customXml/itemProps15.xml><?xml version="1.0" encoding="utf-8"?>
-<ds:datastoreItem xmlns:ds="http://schemas.openxmlformats.org/officeDocument/2006/customXml" ds:itemID="{683FEB75-8CFA-449C-A6B1-B1E4A86A58A1}">
-  <ds:schemaRefs/>
-</ds:datastoreItem>
-</file>
-
-<file path=customXml/itemProps16.xml><?xml version="1.0" encoding="utf-8"?>
-<ds:datastoreItem xmlns:ds="http://schemas.openxmlformats.org/officeDocument/2006/customXml" ds:itemID="{32BA7684-6BE4-4F73-B22E-30934AB379B8}">
-  <ds:schemaRefs/>
-</ds:datastoreItem>
-</file>
-
-<file path=customXml/itemProps17.xml><?xml version="1.0" encoding="utf-8"?>
+<file path=customXml/itemProps5.xml><?xml version="1.0" encoding="utf-8"?>
 <ds:datastoreItem xmlns:ds="http://schemas.openxmlformats.org/officeDocument/2006/customXml" ds:itemID="{058EED06-94C4-4781-888F-0A8BB816BC9F}">
   <ds:schemaRefs>
     <ds:schemaRef ds:uri="http://schemas.microsoft.com/office/2006/metadata/contentType"/>
@@ -20460,88 +20522,26 @@
 </ds:datastoreItem>
 </file>
 
-<file path=customXml/itemProps18.xml><?xml version="1.0" encoding="utf-8"?>
-<ds:datastoreItem xmlns:ds="http://schemas.openxmlformats.org/officeDocument/2006/customXml" ds:itemID="{D6D76F00-E2BC-41F3-BBE4-EE0B7739D844}">
-  <ds:schemaRefs/>
-</ds:datastoreItem>
-</file>
-
-<file path=customXml/itemProps19.xml><?xml version="1.0" encoding="utf-8"?>
-<ds:datastoreItem xmlns:ds="http://schemas.openxmlformats.org/officeDocument/2006/customXml" ds:itemID="{F5A7E41D-6E7F-4B05-AFAB-F540BD4C068B}">
-  <ds:schemaRefs>
-    <ds:schemaRef ds:uri="http://schemas.microsoft.com/sharepoint/v3/contenttype/forms"/>
-  </ds:schemaRefs>
-</ds:datastoreItem>
-</file>
-
-<file path=customXml/itemProps2.xml><?xml version="1.0" encoding="utf-8"?>
+<file path=customXml/itemProps6.xml><?xml version="1.0" encoding="utf-8"?>
 <ds:datastoreItem xmlns:ds="http://schemas.openxmlformats.org/officeDocument/2006/customXml" ds:itemID="{847502A6-7CBE-43AF-BDF6-4D4423521D8C}">
   <ds:schemaRefs/>
 </ds:datastoreItem>
 </file>
 
-<file path=customXml/itemProps20.xml><?xml version="1.0" encoding="utf-8"?>
+<file path=customXml/itemProps7.xml><?xml version="1.0" encoding="utf-8"?>
+<ds:datastoreItem xmlns:ds="http://schemas.openxmlformats.org/officeDocument/2006/customXml" ds:itemID="{32BA7684-6BE4-4F73-B22E-30934AB379B8}">
+  <ds:schemaRefs/>
+</ds:datastoreItem>
+</file>
+
+<file path=customXml/itemProps8.xml><?xml version="1.0" encoding="utf-8"?>
 <ds:datastoreItem xmlns:ds="http://schemas.openxmlformats.org/officeDocument/2006/customXml" ds:itemID="{C09F197C-6A49-47D0-B877-F88807989676}">
   <ds:schemaRefs/>
 </ds:datastoreItem>
 </file>
 
-<file path=customXml/itemProps21.xml><?xml version="1.0" encoding="utf-8"?>
-<ds:datastoreItem xmlns:ds="http://schemas.openxmlformats.org/officeDocument/2006/customXml" ds:itemID="{D92C3DF5-A179-4E2D-BD20-07044B39171F}">
-  <ds:schemaRefs/>
-</ds:datastoreItem>
-</file>
-
-<file path=customXml/itemProps22.xml><?xml version="1.0" encoding="utf-8"?>
-<ds:datastoreItem xmlns:ds="http://schemas.openxmlformats.org/officeDocument/2006/customXml" ds:itemID="{07958A4E-FAB1-42E4-B6B5-29B01F63F87B}">
-  <ds:schemaRefs/>
-</ds:datastoreItem>
-</file>
-
-<file path=customXml/itemProps23.xml><?xml version="1.0" encoding="utf-8"?>
-<ds:datastoreItem xmlns:ds="http://schemas.openxmlformats.org/officeDocument/2006/customXml" ds:itemID="{58CC0B31-82B9-497A-9A2E-F3F72D0BBDAD}">
-  <ds:schemaRefs/>
-</ds:datastoreItem>
-</file>
-
-<file path=customXml/itemProps3.xml><?xml version="1.0" encoding="utf-8"?>
-<ds:datastoreItem xmlns:ds="http://schemas.openxmlformats.org/officeDocument/2006/customXml" ds:itemID="{B9AEDDE3-EA02-4A8F-B8F8-0606A0AA45FC}">
-  <ds:schemaRefs/>
-</ds:datastoreItem>
-</file>
-
-<file path=customXml/itemProps4.xml><?xml version="1.0" encoding="utf-8"?>
-<ds:datastoreItem xmlns:ds="http://schemas.openxmlformats.org/officeDocument/2006/customXml" ds:itemID="{03AF3FDC-ACD1-46F3-A43E-782322DF9816}">
-  <ds:schemaRefs/>
-</ds:datastoreItem>
-</file>
-
-<file path=customXml/itemProps5.xml><?xml version="1.0" encoding="utf-8"?>
-<ds:datastoreItem xmlns:ds="http://schemas.openxmlformats.org/officeDocument/2006/customXml" ds:itemID="{D72A95EB-8536-47FD-944A-8DD76726FC96}">
-  <ds:schemaRefs/>
-</ds:datastoreItem>
-</file>
-
-<file path=customXml/itemProps6.xml><?xml version="1.0" encoding="utf-8"?>
-<ds:datastoreItem xmlns:ds="http://schemas.openxmlformats.org/officeDocument/2006/customXml" ds:itemID="{988B3091-C46F-4FFE-88B4-B31B27613CCF}">
-  <ds:schemaRefs/>
-</ds:datastoreItem>
-</file>
-
-<file path=customXml/itemProps7.xml><?xml version="1.0" encoding="utf-8"?>
-<ds:datastoreItem xmlns:ds="http://schemas.openxmlformats.org/officeDocument/2006/customXml" ds:itemID="{1CE36EA9-2186-4EB1-871A-8AE59C2A13BB}">
-  <ds:schemaRefs/>
-</ds:datastoreItem>
-</file>
-
-<file path=customXml/itemProps8.xml><?xml version="1.0" encoding="utf-8"?>
-<ds:datastoreItem xmlns:ds="http://schemas.openxmlformats.org/officeDocument/2006/customXml" ds:itemID="{AB2F4486-6448-49E3-8249-BB9C7492711D}">
-  <ds:schemaRefs/>
-</ds:datastoreItem>
-</file>
-
 <file path=customXml/itemProps9.xml><?xml version="1.0" encoding="utf-8"?>
-<ds:datastoreItem xmlns:ds="http://schemas.openxmlformats.org/officeDocument/2006/customXml" ds:itemID="{C99E78A0-C9D4-446F-B674-4DD3E2B46C5D}">
+<ds:datastoreItem xmlns:ds="http://schemas.openxmlformats.org/officeDocument/2006/customXml" ds:itemID="{18379136-FE10-433F-B7CF-F1DB47C30C13}">
   <ds:schemaRefs/>
 </ds:datastoreItem>
 </file>